--- a/Summer_Placement_Training_Presentation.pptx
+++ b/Summer_Placement_Training_Presentation.pptx
@@ -10,9 +10,8 @@
     <p:sldId id="258" r:id="rId4"/>
     <p:sldId id="259" r:id="rId5"/>
     <p:sldId id="261" r:id="rId6"/>
-    <p:sldId id="262" r:id="rId7"/>
-    <p:sldId id="263" r:id="rId8"/>
-    <p:sldId id="264" r:id="rId9"/>
+    <p:sldId id="263" r:id="rId7"/>
+    <p:sldId id="264" r:id="rId8"/>
   </p:sldIdLst>
   <p:sldSz cx="9144000" cy="6858000" type="screen4x3"/>
   <p:notesSz cx="6858000" cy="9144000"/>
@@ -7576,12 +7575,12 @@
         <a:fontRef idx="minor"/>
       </dsp:style>
       <dsp:txBody>
-        <a:bodyPr spcFirstLastPara="0" vert="horz" wrap="square" lIns="64770" tIns="64770" rIns="64770" bIns="64770" numCol="1" spcCol="1270" anchor="t" anchorCtr="0">
+        <a:bodyPr spcFirstLastPara="0" vert="horz" wrap="square" lIns="68580" tIns="68580" rIns="68580" bIns="68580" numCol="1" spcCol="1270" anchor="t" anchorCtr="0">
           <a:noAutofit/>
         </a:bodyPr>
         <a:lstStyle/>
         <a:p>
-          <a:pPr marL="0" lvl="0" indent="0" algn="l" defTabSz="755650">
+          <a:pPr marL="0" lvl="0" indent="0" algn="l" defTabSz="800100">
             <a:lnSpc>
               <a:spcPct val="90000"/>
             </a:lnSpc>
@@ -7594,7 +7593,7 @@
             <a:buNone/>
           </a:pPr>
           <a:r>
-            <a:rPr lang="en-US" sz="1700" kern="1200"/>
+            <a:rPr lang="en-US" sz="1800" kern="1200"/>
             <a:t>🌐 HTML5, Tailwind CSS / Bootstrap</a:t>
           </a:r>
         </a:p>
@@ -7721,12 +7720,12 @@
         <a:fontRef idx="minor"/>
       </dsp:style>
       <dsp:txBody>
-        <a:bodyPr spcFirstLastPara="0" vert="horz" wrap="square" lIns="64770" tIns="64770" rIns="64770" bIns="64770" numCol="1" spcCol="1270" anchor="t" anchorCtr="0">
+        <a:bodyPr spcFirstLastPara="0" vert="horz" wrap="square" lIns="68580" tIns="68580" rIns="68580" bIns="68580" numCol="1" spcCol="1270" anchor="t" anchorCtr="0">
           <a:noAutofit/>
         </a:bodyPr>
         <a:lstStyle/>
         <a:p>
-          <a:pPr marL="0" lvl="0" indent="0" algn="l" defTabSz="755650">
+          <a:pPr marL="0" lvl="0" indent="0" algn="l" defTabSz="800100">
             <a:lnSpc>
               <a:spcPct val="90000"/>
             </a:lnSpc>
@@ -7739,7 +7738,7 @@
             <a:buNone/>
           </a:pPr>
           <a:r>
-            <a:rPr lang="en-US" sz="1700" kern="1200"/>
+            <a:rPr lang="en-US" sz="1800" kern="1200"/>
             <a:t>☕ Java Programming</a:t>
           </a:r>
         </a:p>
@@ -7866,12 +7865,12 @@
         <a:fontRef idx="minor"/>
       </dsp:style>
       <dsp:txBody>
-        <a:bodyPr spcFirstLastPara="0" vert="horz" wrap="square" lIns="64770" tIns="64770" rIns="64770" bIns="64770" numCol="1" spcCol="1270" anchor="t" anchorCtr="0">
+        <a:bodyPr spcFirstLastPara="0" vert="horz" wrap="square" lIns="68580" tIns="68580" rIns="68580" bIns="68580" numCol="1" spcCol="1270" anchor="t" anchorCtr="0">
           <a:noAutofit/>
         </a:bodyPr>
         <a:lstStyle/>
         <a:p>
-          <a:pPr marL="0" lvl="0" indent="0" algn="l" defTabSz="755650">
+          <a:pPr marL="0" lvl="0" indent="0" algn="l" defTabSz="800100">
             <a:lnSpc>
               <a:spcPct val="90000"/>
             </a:lnSpc>
@@ -7884,7 +7883,7 @@
             <a:buNone/>
           </a:pPr>
           <a:r>
-            <a:rPr lang="en-US" sz="1700" kern="1200"/>
+            <a:rPr lang="en-US" sz="1800" kern="1200"/>
             <a:t>🌱 Spring Boot Framework</a:t>
           </a:r>
         </a:p>
@@ -8011,12 +8010,12 @@
         <a:fontRef idx="minor"/>
       </dsp:style>
       <dsp:txBody>
-        <a:bodyPr spcFirstLastPara="0" vert="horz" wrap="square" lIns="64770" tIns="64770" rIns="64770" bIns="64770" numCol="1" spcCol="1270" anchor="t" anchorCtr="0">
+        <a:bodyPr spcFirstLastPara="0" vert="horz" wrap="square" lIns="68580" tIns="68580" rIns="68580" bIns="68580" numCol="1" spcCol="1270" anchor="t" anchorCtr="0">
           <a:noAutofit/>
         </a:bodyPr>
         <a:lstStyle/>
         <a:p>
-          <a:pPr marL="0" lvl="0" indent="0" algn="l" defTabSz="755650">
+          <a:pPr marL="0" lvl="0" indent="0" algn="l" defTabSz="800100">
             <a:lnSpc>
               <a:spcPct val="90000"/>
             </a:lnSpc>
@@ -8029,7 +8028,7 @@
             <a:buNone/>
           </a:pPr>
           <a:r>
-            <a:rPr lang="en-US" sz="1700" kern="1200"/>
+            <a:rPr lang="en-US" sz="1800" kern="1200"/>
             <a:t>🗄️ MySQL &amp; MongoDB</a:t>
           </a:r>
         </a:p>
@@ -8156,12 +8155,12 @@
         <a:fontRef idx="minor"/>
       </dsp:style>
       <dsp:txBody>
-        <a:bodyPr spcFirstLastPara="0" vert="horz" wrap="square" lIns="64770" tIns="64770" rIns="64770" bIns="64770" numCol="1" spcCol="1270" anchor="t" anchorCtr="0">
+        <a:bodyPr spcFirstLastPara="0" vert="horz" wrap="square" lIns="68580" tIns="68580" rIns="68580" bIns="68580" numCol="1" spcCol="1270" anchor="t" anchorCtr="0">
           <a:noAutofit/>
         </a:bodyPr>
         <a:lstStyle/>
         <a:p>
-          <a:pPr marL="0" lvl="0" indent="0" algn="l" defTabSz="755650">
+          <a:pPr marL="0" lvl="0" indent="0" algn="l" defTabSz="800100">
             <a:lnSpc>
               <a:spcPct val="90000"/>
             </a:lnSpc>
@@ -8174,7 +8173,7 @@
             <a:buNone/>
           </a:pPr>
           <a:r>
-            <a:rPr lang="en-US" sz="1700" kern="1200"/>
+            <a:rPr lang="en-US" sz="1800" kern="1200"/>
             <a:t>🔧 Git &amp; GitHub Version Control</a:t>
           </a:r>
         </a:p>
@@ -8301,12 +8300,12 @@
         <a:fontRef idx="minor"/>
       </dsp:style>
       <dsp:txBody>
-        <a:bodyPr spcFirstLastPara="0" vert="horz" wrap="square" lIns="64770" tIns="64770" rIns="64770" bIns="64770" numCol="1" spcCol="1270" anchor="t" anchorCtr="0">
+        <a:bodyPr spcFirstLastPara="0" vert="horz" wrap="square" lIns="68580" tIns="68580" rIns="68580" bIns="68580" numCol="1" spcCol="1270" anchor="t" anchorCtr="0">
           <a:noAutofit/>
         </a:bodyPr>
         <a:lstStyle/>
         <a:p>
-          <a:pPr marL="0" lvl="0" indent="0" algn="l" defTabSz="755650">
+          <a:pPr marL="0" lvl="0" indent="0" algn="l" defTabSz="800100">
             <a:lnSpc>
               <a:spcPct val="90000"/>
             </a:lnSpc>
@@ -8319,7 +8318,7 @@
             <a:buNone/>
           </a:pPr>
           <a:r>
-            <a:rPr lang="en-US" sz="1700" kern="1200"/>
+            <a:rPr lang="en-US" sz="1800" kern="1200"/>
             <a:t>📄 Resume, LinkedIn &amp; Portfolio Building</a:t>
           </a:r>
         </a:p>
@@ -8446,12 +8445,12 @@
         <a:fontRef idx="minor"/>
       </dsp:style>
       <dsp:txBody>
-        <a:bodyPr spcFirstLastPara="0" vert="horz" wrap="square" lIns="64770" tIns="64770" rIns="64770" bIns="64770" numCol="1" spcCol="1270" anchor="t" anchorCtr="0">
+        <a:bodyPr spcFirstLastPara="0" vert="horz" wrap="square" lIns="68580" tIns="68580" rIns="68580" bIns="68580" numCol="1" spcCol="1270" anchor="t" anchorCtr="0">
           <a:noAutofit/>
         </a:bodyPr>
         <a:lstStyle/>
         <a:p>
-          <a:pPr marL="0" lvl="0" indent="0" algn="l" defTabSz="755650">
+          <a:pPr marL="0" lvl="0" indent="0" algn="l" defTabSz="800100">
             <a:lnSpc>
               <a:spcPct val="90000"/>
             </a:lnSpc>
@@ -8464,7 +8463,7 @@
             <a:buNone/>
           </a:pPr>
           <a:r>
-            <a:rPr lang="en-US" sz="1700" kern="1200"/>
+            <a:rPr lang="en-US" sz="1800" kern="1200"/>
             <a:t>🎤 Communication &amp; Presentation Skills</a:t>
           </a:r>
         </a:p>
@@ -8591,12 +8590,12 @@
         <a:fontRef idx="minor"/>
       </dsp:style>
       <dsp:txBody>
-        <a:bodyPr spcFirstLastPara="0" vert="horz" wrap="square" lIns="64770" tIns="64770" rIns="64770" bIns="64770" numCol="1" spcCol="1270" anchor="t" anchorCtr="0">
+        <a:bodyPr spcFirstLastPara="0" vert="horz" wrap="square" lIns="68580" tIns="68580" rIns="68580" bIns="68580" numCol="1" spcCol="1270" anchor="t" anchorCtr="0">
           <a:noAutofit/>
         </a:bodyPr>
         <a:lstStyle/>
         <a:p>
-          <a:pPr marL="0" lvl="0" indent="0" algn="l" defTabSz="755650">
+          <a:pPr marL="0" lvl="0" indent="0" algn="l" defTabSz="800100">
             <a:lnSpc>
               <a:spcPct val="90000"/>
             </a:lnSpc>
@@ -8609,7 +8608,7 @@
             <a:buNone/>
           </a:pPr>
           <a:r>
-            <a:rPr lang="en-US" sz="1700" kern="1200"/>
+            <a:rPr lang="en-US" sz="1800" kern="1200"/>
             <a:t>🧠 Interview Tips, Mock Interviews</a:t>
           </a:r>
         </a:p>
@@ -8736,12 +8735,12 @@
         <a:fontRef idx="minor"/>
       </dsp:style>
       <dsp:txBody>
-        <a:bodyPr spcFirstLastPara="0" vert="horz" wrap="square" lIns="64770" tIns="64770" rIns="64770" bIns="64770" numCol="1" spcCol="1270" anchor="t" anchorCtr="0">
+        <a:bodyPr spcFirstLastPara="0" vert="horz" wrap="square" lIns="68580" tIns="68580" rIns="68580" bIns="68580" numCol="1" spcCol="1270" anchor="t" anchorCtr="0">
           <a:noAutofit/>
         </a:bodyPr>
         <a:lstStyle/>
         <a:p>
-          <a:pPr marL="0" lvl="0" indent="0" algn="l" defTabSz="755650">
+          <a:pPr marL="0" lvl="0" indent="0" algn="l" defTabSz="800100">
             <a:lnSpc>
               <a:spcPct val="90000"/>
             </a:lnSpc>
@@ -8754,7 +8753,7 @@
             <a:buNone/>
           </a:pPr>
           <a:r>
-            <a:rPr lang="en-US" sz="1700" kern="1200"/>
+            <a:rPr lang="en-US" sz="1800" kern="1200"/>
             <a:t>📚 PDF Notes </a:t>
           </a:r>
         </a:p>
@@ -8881,12 +8880,12 @@
         <a:fontRef idx="minor"/>
       </dsp:style>
       <dsp:txBody>
-        <a:bodyPr spcFirstLastPara="0" vert="horz" wrap="square" lIns="64770" tIns="64770" rIns="64770" bIns="64770" numCol="1" spcCol="1270" anchor="t" anchorCtr="0">
+        <a:bodyPr spcFirstLastPara="0" vert="horz" wrap="square" lIns="68580" tIns="68580" rIns="68580" bIns="68580" numCol="1" spcCol="1270" anchor="t" anchorCtr="0">
           <a:noAutofit/>
         </a:bodyPr>
         <a:lstStyle/>
         <a:p>
-          <a:pPr marL="0" lvl="0" indent="0" algn="l" defTabSz="755650">
+          <a:pPr marL="0" lvl="0" indent="0" algn="l" defTabSz="800100">
             <a:lnSpc>
               <a:spcPct val="90000"/>
             </a:lnSpc>
@@ -8899,7 +8898,7 @@
             <a:buNone/>
           </a:pPr>
           <a:r>
-            <a:rPr lang="en-US" sz="1700" kern="1200"/>
+            <a:rPr lang="en-US" sz="1800" kern="1200"/>
             <a:t>1 Hands-on Project</a:t>
           </a:r>
         </a:p>
@@ -17172,7 +17171,7 @@
           <a:p>
             <a:fld id="{5BCAD085-E8A6-8845-BD4E-CB4CCA059FC4}" type="datetimeFigureOut">
               <a:rPr lang="en-US" smtClean="0"/>
-              <a:t>4/22/2025</a:t>
+              <a:t>4/23/2025</a:t>
             </a:fld>
             <a:endParaRPr lang="en-US"/>
           </a:p>
@@ -17459,7 +17458,7 @@
           <a:p>
             <a:fld id="{5BCAD085-E8A6-8845-BD4E-CB4CCA059FC4}" type="datetimeFigureOut">
               <a:rPr lang="en-US" smtClean="0"/>
-              <a:t>4/22/2025</a:t>
+              <a:t>4/23/2025</a:t>
             </a:fld>
             <a:endParaRPr lang="en-US"/>
           </a:p>
@@ -17651,7 +17650,7 @@
           <a:p>
             <a:fld id="{5BCAD085-E8A6-8845-BD4E-CB4CCA059FC4}" type="datetimeFigureOut">
               <a:rPr lang="en-US" smtClean="0"/>
-              <a:t>4/22/2025</a:t>
+              <a:t>4/23/2025</a:t>
             </a:fld>
             <a:endParaRPr lang="en-US"/>
           </a:p>
@@ -17912,7 +17911,7 @@
           <a:p>
             <a:fld id="{5BCAD085-E8A6-8845-BD4E-CB4CCA059FC4}" type="datetimeFigureOut">
               <a:rPr lang="en-US" smtClean="0"/>
-              <a:t>4/22/2025</a:t>
+              <a:t>4/23/2025</a:t>
             </a:fld>
             <a:endParaRPr lang="en-US"/>
           </a:p>
@@ -18336,7 +18335,7 @@
           <a:p>
             <a:fld id="{5BCAD085-E8A6-8845-BD4E-CB4CCA059FC4}" type="datetimeFigureOut">
               <a:rPr lang="en-US" smtClean="0"/>
-              <a:t>4/22/2025</a:t>
+              <a:t>4/23/2025</a:t>
             </a:fld>
             <a:endParaRPr lang="en-US"/>
           </a:p>
@@ -18882,7 +18881,7 @@
           <a:p>
             <a:fld id="{5BCAD085-E8A6-8845-BD4E-CB4CCA059FC4}" type="datetimeFigureOut">
               <a:rPr lang="en-US" smtClean="0"/>
-              <a:t>4/22/2025</a:t>
+              <a:t>4/23/2025</a:t>
             </a:fld>
             <a:endParaRPr lang="en-US"/>
           </a:p>
@@ -19722,7 +19721,7 @@
           <a:p>
             <a:fld id="{5BCAD085-E8A6-8845-BD4E-CB4CCA059FC4}" type="datetimeFigureOut">
               <a:rPr lang="en-US" smtClean="0"/>
-              <a:t>4/22/2025</a:t>
+              <a:t>4/23/2025</a:t>
             </a:fld>
             <a:endParaRPr lang="en-US"/>
           </a:p>
@@ -19892,7 +19891,7 @@
           <a:p>
             <a:fld id="{5BCAD085-E8A6-8845-BD4E-CB4CCA059FC4}" type="datetimeFigureOut">
               <a:rPr lang="en-US" smtClean="0"/>
-              <a:t>4/22/2025</a:t>
+              <a:t>4/23/2025</a:t>
             </a:fld>
             <a:endParaRPr lang="en-US"/>
           </a:p>
@@ -20076,7 +20075,7 @@
           <a:p>
             <a:fld id="{5BCAD085-E8A6-8845-BD4E-CB4CCA059FC4}" type="datetimeFigureOut">
               <a:rPr lang="en-US" smtClean="0"/>
-              <a:t>4/22/2025</a:t>
+              <a:t>4/23/2025</a:t>
             </a:fld>
             <a:endParaRPr lang="en-US"/>
           </a:p>
@@ -20246,7 +20245,7 @@
           <a:p>
             <a:fld id="{5BCAD085-E8A6-8845-BD4E-CB4CCA059FC4}" type="datetimeFigureOut">
               <a:rPr lang="en-US" smtClean="0"/>
-              <a:t>4/22/2025</a:t>
+              <a:t>4/23/2025</a:t>
             </a:fld>
             <a:endParaRPr lang="en-US"/>
           </a:p>
@@ -20494,7 +20493,7 @@
           <a:p>
             <a:fld id="{5BCAD085-E8A6-8845-BD4E-CB4CCA059FC4}" type="datetimeFigureOut">
               <a:rPr lang="en-US" smtClean="0"/>
-              <a:t>4/22/2025</a:t>
+              <a:t>4/23/2025</a:t>
             </a:fld>
             <a:endParaRPr lang="en-US"/>
           </a:p>
@@ -20731,7 +20730,7 @@
           <a:p>
             <a:fld id="{5BCAD085-E8A6-8845-BD4E-CB4CCA059FC4}" type="datetimeFigureOut">
               <a:rPr lang="en-US" smtClean="0"/>
-              <a:t>4/22/2025</a:t>
+              <a:t>4/23/2025</a:t>
             </a:fld>
             <a:endParaRPr lang="en-US"/>
           </a:p>
@@ -21104,7 +21103,7 @@
           <a:p>
             <a:fld id="{5BCAD085-E8A6-8845-BD4E-CB4CCA059FC4}" type="datetimeFigureOut">
               <a:rPr lang="en-US" smtClean="0"/>
-              <a:t>4/22/2025</a:t>
+              <a:t>4/23/2025</a:t>
             </a:fld>
             <a:endParaRPr lang="en-US"/>
           </a:p>
@@ -21222,7 +21221,7 @@
           <a:p>
             <a:fld id="{5BCAD085-E8A6-8845-BD4E-CB4CCA059FC4}" type="datetimeFigureOut">
               <a:rPr lang="en-US" smtClean="0"/>
-              <a:t>4/22/2025</a:t>
+              <a:t>4/23/2025</a:t>
             </a:fld>
             <a:endParaRPr lang="en-US"/>
           </a:p>
@@ -21317,7 +21316,7 @@
           <a:p>
             <a:fld id="{5BCAD085-E8A6-8845-BD4E-CB4CCA059FC4}" type="datetimeFigureOut">
               <a:rPr lang="en-US" smtClean="0"/>
-              <a:t>4/22/2025</a:t>
+              <a:t>4/23/2025</a:t>
             </a:fld>
             <a:endParaRPr lang="en-US"/>
           </a:p>
@@ -21568,7 +21567,7 @@
           <a:p>
             <a:fld id="{5BCAD085-E8A6-8845-BD4E-CB4CCA059FC4}" type="datetimeFigureOut">
               <a:rPr lang="en-US" smtClean="0"/>
-              <a:t>4/22/2025</a:t>
+              <a:t>4/23/2025</a:t>
             </a:fld>
             <a:endParaRPr lang="en-US"/>
           </a:p>
@@ -21855,7 +21854,7 @@
           <a:p>
             <a:fld id="{5BCAD085-E8A6-8845-BD4E-CB4CCA059FC4}" type="datetimeFigureOut">
               <a:rPr lang="en-US" smtClean="0"/>
-              <a:t>4/22/2025</a:t>
+              <a:t>4/23/2025</a:t>
             </a:fld>
             <a:endParaRPr lang="en-US"/>
           </a:p>
@@ -22068,7 +22067,7 @@
           <a:p>
             <a:fld id="{5BCAD085-E8A6-8845-BD4E-CB4CCA059FC4}" type="datetimeFigureOut">
               <a:rPr lang="en-US" smtClean="0"/>
-              <a:t>4/22/2025</a:t>
+              <a:t>4/23/2025</a:t>
             </a:fld>
             <a:endParaRPr lang="en-US"/>
           </a:p>
@@ -23208,91 +23207,6 @@
 <file path=ppt/slides/slide6.xml><?xml version="1.0" encoding="utf-8"?>
 <p:sld xmlns:a="http://schemas.openxmlformats.org/drawingml/2006/main" xmlns:r="http://schemas.openxmlformats.org/officeDocument/2006/relationships" xmlns:p="http://schemas.openxmlformats.org/presentationml/2006/main">
   <p:cSld>
-    <p:spTree>
-      <p:nvGrpSpPr>
-        <p:cNvPr id="1" name=""/>
-        <p:cNvGrpSpPr/>
-        <p:nvPr/>
-      </p:nvGrpSpPr>
-      <p:grpSpPr>
-        <a:xfrm>
-          <a:off x="0" y="0"/>
-          <a:ext cx="0" cy="0"/>
-          <a:chOff x="0" y="0"/>
-          <a:chExt cx="0" cy="0"/>
-        </a:xfrm>
-      </p:grpSpPr>
-      <p:sp>
-        <p:nvSpPr>
-          <p:cNvPr id="2" name="Title 1"/>
-          <p:cNvSpPr>
-            <a:spLocks noGrp="1"/>
-          </p:cNvSpPr>
-          <p:nvPr>
-            <p:ph type="title"/>
-          </p:nvPr>
-        </p:nvSpPr>
-        <p:spPr/>
-        <p:txBody>
-          <a:bodyPr/>
-          <a:lstStyle/>
-          <a:p>
-            <a:r>
-              <a:t>Refund Policy (At a Glance)</a:t>
-            </a:r>
-          </a:p>
-        </p:txBody>
-      </p:sp>
-      <p:sp>
-        <p:nvSpPr>
-          <p:cNvPr id="3" name="Content Placeholder 2"/>
-          <p:cNvSpPr>
-            <a:spLocks noGrp="1"/>
-          </p:cNvSpPr>
-          <p:nvPr>
-            <p:ph idx="1"/>
-          </p:nvPr>
-        </p:nvSpPr>
-        <p:spPr/>
-        <p:txBody>
-          <a:bodyPr/>
-          <a:lstStyle/>
-          <a:p>
-            <a:endParaRPr/>
-          </a:p>
-          <a:p>
-            <a:r>
-              <a:t>✔️ Attend minimum % of sessions</a:t>
-            </a:r>
-          </a:p>
-          <a:p>
-            <a:r>
-              <a:t>✔️ Submit basic assignments</a:t>
-            </a:r>
-          </a:p>
-          <a:p>
-            <a:r>
-              <a:t>✔️ Request within 7 days post-course</a:t>
-            </a:r>
-          </a:p>
-          <a:p>
-            <a:r>
-              <a:t>💬 Transparent, fair process</a:t>
-            </a:r>
-          </a:p>
-        </p:txBody>
-      </p:sp>
-    </p:spTree>
-  </p:cSld>
-  <p:clrMapOvr>
-    <a:masterClrMapping/>
-  </p:clrMapOvr>
-</p:sld>
-</file>
-
-<file path=ppt/slides/slide7.xml><?xml version="1.0" encoding="utf-8"?>
-<p:sld xmlns:a="http://schemas.openxmlformats.org/drawingml/2006/main" xmlns:r="http://schemas.openxmlformats.org/officeDocument/2006/relationships" xmlns:p="http://schemas.openxmlformats.org/presentationml/2006/main">
-  <p:cSld>
     <p:bg>
       <p:bgPr>
         <a:blipFill rotWithShape="1">
@@ -23396,7 +23310,7 @@
 </p:sld>
 </file>
 
-<file path=ppt/slides/slide8.xml><?xml version="1.0" encoding="utf-8"?>
+<file path=ppt/slides/slide7.xml><?xml version="1.0" encoding="utf-8"?>
 <p:sld xmlns:a="http://schemas.openxmlformats.org/drawingml/2006/main" xmlns:r="http://schemas.openxmlformats.org/officeDocument/2006/relationships" xmlns:p="http://schemas.openxmlformats.org/presentationml/2006/main">
   <p:cSld>
     <p:bg>
@@ -23610,26 +23524,60 @@
           </a:bodyPr>
           <a:lstStyle/>
           <a:p>
-            <a:endParaRPr/>
+            <a:endParaRPr dirty="0"/>
           </a:p>
           <a:p>
+            <a:pPr marL="0" indent="0">
+              <a:buNone/>
+            </a:pPr>
             <a:r>
+              <a:rPr dirty="0"/>
               <a:t>🙌 Thank you for your time!</a:t>
             </a:r>
-            <a:br/>
+            <a:br>
+              <a:rPr dirty="0"/>
+            </a:br>
             <a:r>
-              <a:t>📅 Join the free intro session on Teams</a:t>
+              <a:rPr lang="en-US" dirty="0"/>
+              <a:t>📢 </a:t>
             </a:r>
-            <a:br/>
             <a:r>
-              <a:t>🔗 Link: https://bit.ly/teams-intro-meet (Example)</a:t>
+              <a:rPr lang="en-US" b="1" dirty="0"/>
+              <a:t>Stay Connected &amp; Don’t Miss Updates</a:t>
             </a:r>
-            <a:br/>
+            <a:br>
+              <a:rPr lang="en-US" dirty="0"/>
+            </a:br>
             <a:r>
+              <a:rPr lang="en-US" dirty="0"/>
+              <a:t>📲 </a:t>
+            </a:r>
+            <a:r>
+              <a:rPr lang="en-US" b="1" dirty="0"/>
+              <a:t>Join the Telegram Group for all announcements:</a:t>
+            </a:r>
+            <a:r>
+              <a:rPr lang="en-IN" dirty="0"/>
+              <a:t> 🔗</a:t>
+            </a:r>
+            <a:r>
+              <a:rPr lang="en-IN" b="1" dirty="0">
+                <a:hlinkClick r:id="rId3"/>
+              </a:rPr>
+              <a:t>https://t.me/+Nt4bPOsC7tk5MDc9</a:t>
+            </a:r>
+            <a:br>
+              <a:rPr dirty="0"/>
+            </a:br>
+            <a:r>
+              <a:rPr dirty="0"/>
               <a:t>📌 Don’t Miss It – Limited Spots!</a:t>
             </a:r>
-            <a:br/>
+            <a:br>
+              <a:rPr dirty="0"/>
+            </a:br>
             <a:r>
+              <a:rPr dirty="0"/>
               <a:t>“This Summer is Yours – Make It Count.”</a:t>
             </a:r>
           </a:p>
